--- a/content/bju/cps105/lectures/ppt-downloads/lec12.pptx
+++ b/content/bju/cps105/lectures/ppt-downloads/lec12.pptx
@@ -291,7 +291,7 @@
           <a:p>
             <a:fld id="{C172094A-63BA-6641-AD80-EE60B78C5A8D}" type="datetimeFigureOut">
               <a:rPr lang="en-US" smtClean="0"/>
-              <a:t>10/3/18</a:t>
+              <a:t>10/3/2018</a:t>
             </a:fld>
             <a:endParaRPr lang="en-US"/>
           </a:p>
@@ -489,7 +489,7 @@
           <a:p>
             <a:fld id="{C172094A-63BA-6641-AD80-EE60B78C5A8D}" type="datetimeFigureOut">
               <a:rPr lang="en-US" smtClean="0"/>
-              <a:t>10/3/18</a:t>
+              <a:t>10/3/2018</a:t>
             </a:fld>
             <a:endParaRPr lang="en-US"/>
           </a:p>
@@ -697,7 +697,7 @@
           <a:p>
             <a:fld id="{C172094A-63BA-6641-AD80-EE60B78C5A8D}" type="datetimeFigureOut">
               <a:rPr lang="en-US" smtClean="0"/>
-              <a:t>10/3/18</a:t>
+              <a:t>10/3/2018</a:t>
             </a:fld>
             <a:endParaRPr lang="en-US"/>
           </a:p>
@@ -895,7 +895,7 @@
           <a:p>
             <a:fld id="{C172094A-63BA-6641-AD80-EE60B78C5A8D}" type="datetimeFigureOut">
               <a:rPr lang="en-US" smtClean="0"/>
-              <a:t>10/3/18</a:t>
+              <a:t>10/3/2018</a:t>
             </a:fld>
             <a:endParaRPr lang="en-US"/>
           </a:p>
@@ -1170,7 +1170,7 @@
           <a:p>
             <a:fld id="{C172094A-63BA-6641-AD80-EE60B78C5A8D}" type="datetimeFigureOut">
               <a:rPr lang="en-US" smtClean="0"/>
-              <a:t>10/3/18</a:t>
+              <a:t>10/3/2018</a:t>
             </a:fld>
             <a:endParaRPr lang="en-US"/>
           </a:p>
@@ -1435,7 +1435,7 @@
           <a:p>
             <a:fld id="{C172094A-63BA-6641-AD80-EE60B78C5A8D}" type="datetimeFigureOut">
               <a:rPr lang="en-US" smtClean="0"/>
-              <a:t>10/3/18</a:t>
+              <a:t>10/3/2018</a:t>
             </a:fld>
             <a:endParaRPr lang="en-US"/>
           </a:p>
@@ -1847,7 +1847,7 @@
           <a:p>
             <a:fld id="{C172094A-63BA-6641-AD80-EE60B78C5A8D}" type="datetimeFigureOut">
               <a:rPr lang="en-US" smtClean="0"/>
-              <a:t>10/3/18</a:t>
+              <a:t>10/3/2018</a:t>
             </a:fld>
             <a:endParaRPr lang="en-US"/>
           </a:p>
@@ -1988,7 +1988,7 @@
           <a:p>
             <a:fld id="{C172094A-63BA-6641-AD80-EE60B78C5A8D}" type="datetimeFigureOut">
               <a:rPr lang="en-US" smtClean="0"/>
-              <a:t>10/3/18</a:t>
+              <a:t>10/3/2018</a:t>
             </a:fld>
             <a:endParaRPr lang="en-US"/>
           </a:p>
@@ -2101,7 +2101,7 @@
           <a:p>
             <a:fld id="{C172094A-63BA-6641-AD80-EE60B78C5A8D}" type="datetimeFigureOut">
               <a:rPr lang="en-US" smtClean="0"/>
-              <a:t>10/3/18</a:t>
+              <a:t>10/3/2018</a:t>
             </a:fld>
             <a:endParaRPr lang="en-US"/>
           </a:p>
@@ -2412,7 +2412,7 @@
           <a:p>
             <a:fld id="{C172094A-63BA-6641-AD80-EE60B78C5A8D}" type="datetimeFigureOut">
               <a:rPr lang="en-US" smtClean="0"/>
-              <a:t>10/3/18</a:t>
+              <a:t>10/3/2018</a:t>
             </a:fld>
             <a:endParaRPr lang="en-US"/>
           </a:p>
@@ -2700,7 +2700,7 @@
           <a:p>
             <a:fld id="{C172094A-63BA-6641-AD80-EE60B78C5A8D}" type="datetimeFigureOut">
               <a:rPr lang="en-US" smtClean="0"/>
-              <a:t>10/3/18</a:t>
+              <a:t>10/3/2018</a:t>
             </a:fld>
             <a:endParaRPr lang="en-US"/>
           </a:p>
@@ -2941,7 +2941,7 @@
           <a:p>
             <a:fld id="{C172094A-63BA-6641-AD80-EE60B78C5A8D}" type="datetimeFigureOut">
               <a:rPr lang="en-US" smtClean="0"/>
-              <a:t>10/3/18</a:t>
+              <a:t>10/3/2018</a:t>
             </a:fld>
             <a:endParaRPr lang="en-US"/>
           </a:p>
@@ -3396,6 +3396,13 @@
   <p:clrMapOvr>
     <a:masterClrMapping/>
   </p:clrMapOvr>
+  <p:timing>
+    <p:tnLst>
+      <p:par>
+        <p:cTn id="1" dur="indefinite" restart="never" nodeType="tmRoot"/>
+      </p:par>
+    </p:tnLst>
+  </p:timing>
 </p:sld>
 </file>
 
@@ -3475,7 +3482,21 @@
                 <a:latin typeface="Courier New" panose="02070309020205020404" pitchFamily="49" charset="0"/>
                 <a:cs typeface="Courier New" panose="02070309020205020404" pitchFamily="49" charset="0"/>
               </a:rPr>
-              <a:t>q := a new of numbers</a:t>
+              <a:t>q := a new </a:t>
+            </a:r>
+            <a:r>
+              <a:rPr lang="en-US" dirty="0" smtClean="0">
+                <a:latin typeface="Courier New" panose="02070309020205020404" pitchFamily="49" charset="0"/>
+                <a:cs typeface="Courier New" panose="02070309020205020404" pitchFamily="49" charset="0"/>
+              </a:rPr>
+              <a:t>queue of </a:t>
+            </a:r>
+            <a:r>
+              <a:rPr lang="en-US" dirty="0">
+                <a:latin typeface="Courier New" panose="02070309020205020404" pitchFamily="49" charset="0"/>
+                <a:cs typeface="Courier New" panose="02070309020205020404" pitchFamily="49" charset="0"/>
+              </a:rPr>
+              <a:t>numbers</a:t>
             </a:r>
           </a:p>
           <a:p>
@@ -3600,6 +3621,13 @@
   <p:clrMapOvr>
     <a:masterClrMapping/>
   </p:clrMapOvr>
+  <p:timing>
+    <p:tnLst>
+      <p:par>
+        <p:cTn id="1" dur="indefinite" restart="never" nodeType="tmRoot"/>
+      </p:par>
+    </p:tnLst>
+  </p:timing>
 </p:sld>
 </file>
 
@@ -3692,6 +3720,13 @@
   <p:clrMapOvr>
     <a:masterClrMapping/>
   </p:clrMapOvr>
+  <p:timing>
+    <p:tnLst>
+      <p:par>
+        <p:cTn id="1" dur="indefinite" restart="never" nodeType="tmRoot"/>
+      </p:par>
+    </p:tnLst>
+  </p:timing>
 </p:sld>
 </file>
 
@@ -3884,6 +3919,13 @@
   <p:clrMapOvr>
     <a:masterClrMapping/>
   </p:clrMapOvr>
+  <p:timing>
+    <p:tnLst>
+      <p:par>
+        <p:cTn id="1" dur="indefinite" restart="never" nodeType="tmRoot"/>
+      </p:par>
+    </p:tnLst>
+  </p:timing>
 </p:sld>
 </file>
 
@@ -3976,6 +4018,13 @@
   <p:clrMapOvr>
     <a:masterClrMapping/>
   </p:clrMapOvr>
+  <p:timing>
+    <p:tnLst>
+      <p:par>
+        <p:cTn id="1" dur="indefinite" restart="never" nodeType="tmRoot"/>
+      </p:par>
+    </p:tnLst>
+  </p:timing>
 </p:sld>
 </file>
 
@@ -4207,6 +4256,13 @@
   <p:clrMapOvr>
     <a:masterClrMapping/>
   </p:clrMapOvr>
+  <p:timing>
+    <p:tnLst>
+      <p:par>
+        <p:cTn id="1" dur="indefinite" restart="never" nodeType="tmRoot"/>
+      </p:par>
+    </p:tnLst>
+  </p:timing>
 </p:sld>
 </file>
 
@@ -4349,6 +4405,13 @@
   <p:clrMapOvr>
     <a:masterClrMapping/>
   </p:clrMapOvr>
+  <p:timing>
+    <p:tnLst>
+      <p:par>
+        <p:cTn id="1" dur="indefinite" restart="never" nodeType="tmRoot"/>
+      </p:par>
+    </p:tnLst>
+  </p:timing>
 </p:sld>
 </file>
 
@@ -7743,6 +7806,13 @@
   <p:clrMapOvr>
     <a:masterClrMapping/>
   </p:clrMapOvr>
+  <p:timing>
+    <p:tnLst>
+      <p:par>
+        <p:cTn id="1" dur="indefinite" restart="never" nodeType="tmRoot"/>
+      </p:par>
+    </p:tnLst>
+  </p:timing>
 </p:sld>
 </file>
 
@@ -7818,7 +7888,7 @@
         <p:spPr/>
         <p:txBody>
           <a:bodyPr>
-            <a:normAutofit fontScale="70000" lnSpcReduction="20000"/>
+            <a:normAutofit fontScale="77500" lnSpcReduction="20000"/>
           </a:bodyPr>
           <a:lstStyle/>
           <a:p>
@@ -7830,34 +7900,19 @@
                 <a:latin typeface="Courier New" panose="02070309020205020404" pitchFamily="49" charset="0"/>
                 <a:cs typeface="Courier New" panose="02070309020205020404" pitchFamily="49" charset="0"/>
               </a:rPr>
-              <a:t>WHILE some </a:t>
-            </a:r>
-            <a:r>
-              <a:rPr lang="en-US" dirty="0" err="1">
+              <a:t>WHILE </a:t>
+            </a:r>
+            <a:r>
+              <a:rPr lang="en-US" dirty="0" smtClean="0">
                 <a:latin typeface="Courier New" panose="02070309020205020404" pitchFamily="49" charset="0"/>
                 <a:cs typeface="Courier New" panose="02070309020205020404" pitchFamily="49" charset="0"/>
               </a:rPr>
-              <a:t>dist’s</a:t>
-            </a:r>
-            <a:r>
-              <a:rPr lang="en-US" dirty="0">
-                <a:latin typeface="Courier New" panose="02070309020205020404" pitchFamily="49" charset="0"/>
-                <a:cs typeface="Courier New" panose="02070309020205020404" pitchFamily="49" charset="0"/>
-              </a:rPr>
-              <a:t> are</a:t>
-            </a:r>
-          </a:p>
-          <a:p>
-            <a:pPr marL="0" indent="0">
-              <a:buNone/>
-            </a:pPr>
-            <a:r>
-              <a:rPr lang="en-US" dirty="0">
-                <a:latin typeface="Courier New" panose="02070309020205020404" pitchFamily="49" charset="0"/>
-                <a:cs typeface="Courier New" panose="02070309020205020404" pitchFamily="49" charset="0"/>
-              </a:rPr>
-              <a:t>	infinity:</a:t>
-            </a:r>
+              <a:t>we have not visited all nodes:</a:t>
+            </a:r>
+            <a:endParaRPr lang="en-US" dirty="0">
+              <a:latin typeface="Courier New" panose="02070309020205020404" pitchFamily="49" charset="0"/>
+              <a:cs typeface="Courier New" panose="02070309020205020404" pitchFamily="49" charset="0"/>
+            </a:endParaRPr>
           </a:p>
           <a:p>
             <a:pPr marL="0" indent="0">
@@ -7911,6 +7966,13 @@
             <a:pPr marL="0" indent="0">
               <a:buNone/>
             </a:pPr>
+            <a:r>
+              <a:rPr lang="en-US" dirty="0">
+                <a:latin typeface="Courier New" panose="02070309020205020404" pitchFamily="49" charset="0"/>
+                <a:cs typeface="Courier New" panose="02070309020205020404" pitchFamily="49" charset="0"/>
+              </a:rPr>
+              <a:t/>
+            </a:r>
             <a:br>
               <a:rPr lang="en-US" dirty="0">
                 <a:latin typeface="Courier New" panose="02070309020205020404" pitchFamily="49" charset="0"/>
@@ -7938,18 +8000,25 @@
               <a:t>		alt := </a:t>
             </a:r>
             <a:r>
-              <a:rPr lang="en-US" dirty="0" err="1">
+              <a:rPr lang="en-US" dirty="0" err="1" smtClean="0">
                 <a:latin typeface="Courier New" panose="02070309020205020404" pitchFamily="49" charset="0"/>
                 <a:cs typeface="Courier New" panose="02070309020205020404" pitchFamily="49" charset="0"/>
               </a:rPr>
               <a:t>dist</a:t>
             </a:r>
             <a:r>
+              <a:rPr lang="en-US" dirty="0" smtClean="0">
+                <a:latin typeface="Courier New" panose="02070309020205020404" pitchFamily="49" charset="0"/>
+                <a:cs typeface="Courier New" panose="02070309020205020404" pitchFamily="49" charset="0"/>
+              </a:rPr>
+              <a:t>[v] </a:t>
+            </a:r>
+            <a:r>
               <a:rPr lang="en-US" dirty="0">
                 <a:latin typeface="Courier New" panose="02070309020205020404" pitchFamily="49" charset="0"/>
                 <a:cs typeface="Courier New" panose="02070309020205020404" pitchFamily="49" charset="0"/>
               </a:rPr>
-              <a:t>[neighbor] + </a:t>
+              <a:t>+ </a:t>
             </a:r>
             <a:br>
               <a:rPr lang="en-US" dirty="0">
@@ -9694,6 +9763,13 @@
   <p:clrMapOvr>
     <a:masterClrMapping/>
   </p:clrMapOvr>
+  <p:timing>
+    <p:tnLst>
+      <p:par>
+        <p:cTn id="1" dur="indefinite" restart="never" nodeType="tmRoot"/>
+      </p:par>
+    </p:tnLst>
+  </p:timing>
 </p:sld>
 </file>
 
@@ -12478,6 +12554,13 @@
   <p:clrMapOvr>
     <a:masterClrMapping/>
   </p:clrMapOvr>
+  <p:timing>
+    <p:tnLst>
+      <p:par>
+        <p:cTn id="1" dur="indefinite" restart="never" nodeType="tmRoot"/>
+      </p:par>
+    </p:tnLst>
+  </p:timing>
 </p:sld>
 </file>
 
@@ -12631,7 +12714,21 @@
                 <a:latin typeface="Courier New" panose="02070309020205020404" pitchFamily="49" charset="0"/>
                 <a:cs typeface="Courier New" panose="02070309020205020404" pitchFamily="49" charset="0"/>
               </a:rPr>
-              <a:t>		remove “)” from stack screaming if 				nothing is available</a:t>
+              <a:t>		remove </a:t>
+            </a:r>
+            <a:r>
+              <a:rPr lang="en-US" dirty="0" smtClean="0">
+                <a:latin typeface="Courier New" panose="02070309020205020404" pitchFamily="49" charset="0"/>
+                <a:cs typeface="Courier New" panose="02070309020205020404" pitchFamily="49" charset="0"/>
+              </a:rPr>
+              <a:t>“(” </a:t>
+            </a:r>
+            <a:r>
+              <a:rPr lang="en-US" dirty="0">
+                <a:latin typeface="Courier New" panose="02070309020205020404" pitchFamily="49" charset="0"/>
+                <a:cs typeface="Courier New" panose="02070309020205020404" pitchFamily="49" charset="0"/>
+              </a:rPr>
+              <a:t>from stack screaming if 				nothing is available</a:t>
             </a:r>
           </a:p>
           <a:p>
@@ -12671,6 +12768,13 @@
   <p:clrMapOvr>
     <a:masterClrMapping/>
   </p:clrMapOvr>
+  <p:timing>
+    <p:tnLst>
+      <p:par>
+        <p:cTn id="1" dur="indefinite" restart="never" nodeType="tmRoot"/>
+      </p:par>
+    </p:tnLst>
+  </p:timing>
 </p:sld>
 </file>
 
@@ -12763,6 +12867,13 @@
   <p:clrMapOvr>
     <a:masterClrMapping/>
   </p:clrMapOvr>
+  <p:timing>
+    <p:tnLst>
+      <p:par>
+        <p:cTn id="1" dur="indefinite" restart="never" nodeType="tmRoot"/>
+      </p:par>
+    </p:tnLst>
+  </p:timing>
 </p:sld>
 </file>
 
